--- a/GEViz.pptx
+++ b/GEViz.pptx
@@ -1352,17 +1352,70 @@
           </a:bodyPr>
           <a:lstStyle/>
           <a:p>
-            <a:pPr indent="0" lvl="0" marL="0">
-              <a:spcBef>
-                <a:spcPts val="0"/>
-              </a:spcBef>
-              <a:spcAft>
-                <a:spcPts val="0"/>
-              </a:spcAft>
-              <a:buNone/>
+            <a:pPr indent="-298450" lvl="0" marL="457200">
+              <a:spcBef>
+                <a:spcPts val="0"/>
+              </a:spcBef>
+              <a:spcAft>
+                <a:spcPts val="0"/>
+              </a:spcAft>
+              <a:buSzPts val="1100"/>
+              <a:buChar char="-"/>
             </a:pPr>
             <a:r>
-              <a:t/>
+              <a:rPr lang="en"/>
+              <a:t>All mutations in the tumour cuased by driver mutations</a:t>
+            </a:r>
+            <a:endParaRPr/>
+          </a:p>
+          <a:p>
+            <a:pPr indent="-298450" lvl="0" marL="457200" rtl="0">
+              <a:spcBef>
+                <a:spcPts val="0"/>
+              </a:spcBef>
+              <a:spcAft>
+                <a:spcPts val="0"/>
+              </a:spcAft>
+              <a:buSzPts val="1100"/>
+              <a:buChar char="-"/>
+            </a:pPr>
+            <a:r>
+              <a:rPr lang="en"/>
+              <a:t>The driver mutation then induce the subsequent mutations called passenger mutation. The mutations that have the same driver mutation will have higher correlation than one that have different driver mutation</a:t>
+            </a:r>
+            <a:endParaRPr/>
+          </a:p>
+          <a:p>
+            <a:pPr indent="-298450" lvl="0" marL="457200" rtl="0">
+              <a:spcBef>
+                <a:spcPts val="0"/>
+              </a:spcBef>
+              <a:spcAft>
+                <a:spcPts val="0"/>
+              </a:spcAft>
+              <a:buSzPts val="1100"/>
+              <a:buChar char="-"/>
+            </a:pPr>
+            <a:r>
+              <a:rPr lang="en"/>
+              <a:t>We calculated the correlations between all gene pairs</a:t>
+            </a:r>
+            <a:endParaRPr/>
+          </a:p>
+          <a:p>
+            <a:pPr indent="-298450" lvl="0" marL="457200">
+              <a:spcBef>
+                <a:spcPts val="0"/>
+              </a:spcBef>
+              <a:spcAft>
+                <a:spcPts val="0"/>
+              </a:spcAft>
+              <a:buSzPts val="1100"/>
+              <a:buChar char="-"/>
+            </a:pPr>
+            <a:r>
+              <a:rPr lang="en"/>
+              <a:t>We then cluster the genes that have correlations - hopefully will be able to identify how many driver genes in the tumour</a:t>
             </a:r>
             <a:endParaRPr/>
           </a:p>
@@ -8273,7 +8326,7 @@
             </a:pPr>
             <a:r>
               <a:rPr lang="en"/>
-              <a:t>Passenger mutation that came from the same driver mutations will have correlation</a:t>
+              <a:t>Passenger mutation that came from the same driver mutations should have correlation</a:t>
             </a:r>
             <a:endParaRPr/>
           </a:p>
@@ -8290,7 +8343,7 @@
             </a:pPr>
             <a:r>
               <a:rPr lang="en"/>
-              <a:t>By calculating correlations between all gene pairs, we should be able to identify the number of driver gene in the tumour</a:t>
+              <a:t>By calculating correlations between all gene pairs and clustering them, we should be able to identify the number of driver gene in the tumour</a:t>
             </a:r>
             <a:endParaRPr/>
           </a:p>
@@ -8414,7 +8467,7 @@
                 <a:spcPts val="1600"/>
               </a:spcBef>
               <a:spcAft>
-                <a:spcPts val="0"/>
+                <a:spcPts val="1600"/>
               </a:spcAft>
               <a:buNone/>
             </a:pPr>
@@ -8437,21 +8490,6 @@
             </a:r>
             <a:endParaRPr/>
           </a:p>
-          <a:p>
-            <a:pPr indent="0" lvl="0" marL="0">
-              <a:spcBef>
-                <a:spcPts val="1600"/>
-              </a:spcBef>
-              <a:spcAft>
-                <a:spcPts val="1600"/>
-              </a:spcAft>
-              <a:buNone/>
-            </a:pPr>
-            <a:r>
-              <a:t/>
-            </a:r>
-            <a:endParaRPr/>
-          </a:p>
         </p:txBody>
       </p:sp>
     </p:spTree>
@@ -8463,6 +8501,285 @@
 </file>
 
 <file path=ppt/theme/theme1.xml><?xml version="1.0" encoding="utf-8"?>
+<a:theme xmlns:a="http://schemas.openxmlformats.org/drawingml/2006/main" xmlns:r="http://schemas.openxmlformats.org/officeDocument/2006/relationships">
+  <a:themeElements>
+    <a:clrScheme name="Default">
+      <a:dk1>
+        <a:srgbClr val="000000"/>
+      </a:dk1>
+      <a:lt1>
+        <a:srgbClr val="FFFFFF"/>
+      </a:lt1>
+      <a:dk2>
+        <a:srgbClr val="158158"/>
+      </a:dk2>
+      <a:lt2>
+        <a:srgbClr val="F3F3F3"/>
+      </a:lt2>
+      <a:accent1>
+        <a:srgbClr val="058DC7"/>
+      </a:accent1>
+      <a:accent2>
+        <a:srgbClr val="50B432"/>
+      </a:accent2>
+      <a:accent3>
+        <a:srgbClr val="ED561B"/>
+      </a:accent3>
+      <a:accent4>
+        <a:srgbClr val="EDEF00"/>
+      </a:accent4>
+      <a:accent5>
+        <a:srgbClr val="24CBE5"/>
+      </a:accent5>
+      <a:accent6>
+        <a:srgbClr val="64E572"/>
+      </a:accent6>
+      <a:hlink>
+        <a:srgbClr val="2200CC"/>
+      </a:hlink>
+      <a:folHlink>
+        <a:srgbClr val="551A8B"/>
+      </a:folHlink>
+    </a:clrScheme>
+    <a:fontScheme name="Office">
+      <a:majorFont>
+        <a:latin typeface="Arial"/>
+        <a:ea typeface=""/>
+        <a:cs typeface=""/>
+        <a:font script="Jpan" typeface="ＭＳ Ｐゴシック"/>
+        <a:font script="Hang" typeface="맑은 고딕"/>
+        <a:font script="Hans" typeface="宋体"/>
+        <a:font script="Hant" typeface="新細明體"/>
+        <a:font script="Arab" typeface="Times New Roman"/>
+        <a:font script="Hebr" typeface="Times New Roman"/>
+        <a:font script="Thai" typeface="Angsana New"/>
+        <a:font script="Ethi" typeface="Nyala"/>
+        <a:font script="Beng" typeface="Vrinda"/>
+        <a:font script="Gujr" typeface="Shruti"/>
+        <a:font script="Khmr" typeface="MoolBoran"/>
+        <a:font script="Knda" typeface="Tunga"/>
+        <a:font script="Guru" typeface="Raavi"/>
+        <a:font script="Cans" typeface="Euphemia"/>
+        <a:font script="Cher" typeface="Plantagenet Cherokee"/>
+        <a:font script="Yiii" typeface="Microsoft Yi Baiti"/>
+        <a:font script="Tibt" typeface="Microsoft Himalaya"/>
+        <a:font script="Thaa" typeface="MV Boli"/>
+        <a:font script="Deva" typeface="Mangal"/>
+        <a:font script="Telu" typeface="Gautami"/>
+        <a:font script="Taml" typeface="Latha"/>
+        <a:font script="Syrc" typeface="Estrangelo Edessa"/>
+        <a:font script="Orya" typeface="Kalinga"/>
+        <a:font script="Mlym" typeface="Kartika"/>
+        <a:font script="Laoo" typeface="DokChampa"/>
+        <a:font script="Sinh" typeface="Iskoola Pota"/>
+        <a:font script="Mong" typeface="Mongolian Baiti"/>
+        <a:font script="Viet" typeface="Times New Roman"/>
+        <a:font script="Uigh" typeface="Microsoft Uighur"/>
+        <a:font script="Geor" typeface="Sylfaen"/>
+      </a:majorFont>
+      <a:minorFont>
+        <a:latin typeface="Arial"/>
+        <a:ea typeface=""/>
+        <a:cs typeface=""/>
+        <a:font script="Jpan" typeface="ＭＳ Ｐゴシック"/>
+        <a:font script="Hang" typeface="맑은 고딕"/>
+        <a:font script="Hans" typeface="宋体"/>
+        <a:font script="Hant" typeface="新細明體"/>
+        <a:font script="Arab" typeface="Arial"/>
+        <a:font script="Hebr" typeface="Arial"/>
+        <a:font script="Thai" typeface="Cordia New"/>
+        <a:font script="Ethi" typeface="Nyala"/>
+        <a:font script="Beng" typeface="Vrinda"/>
+        <a:font script="Gujr" typeface="Shruti"/>
+        <a:font script="Khmr" typeface="DaunPenh"/>
+        <a:font script="Knda" typeface="Tunga"/>
+        <a:font script="Guru" typeface="Raavi"/>
+        <a:font script="Cans" typeface="Euphemia"/>
+        <a:font script="Cher" typeface="Plantagenet Cherokee"/>
+        <a:font script="Yiii" typeface="Microsoft Yi Baiti"/>
+        <a:font script="Tibt" typeface="Microsoft Himalaya"/>
+        <a:font script="Thaa" typeface="MV Boli"/>
+        <a:font script="Deva" typeface="Mangal"/>
+        <a:font script="Telu" typeface="Gautami"/>
+        <a:font script="Taml" typeface="Latha"/>
+        <a:font script="Syrc" typeface="Estrangelo Edessa"/>
+        <a:font script="Orya" typeface="Kalinga"/>
+        <a:font script="Mlym" typeface="Kartika"/>
+        <a:font script="Laoo" typeface="DokChampa"/>
+        <a:font script="Sinh" typeface="Iskoola Pota"/>
+        <a:font script="Mong" typeface="Mongolian Baiti"/>
+        <a:font script="Viet" typeface="Arial"/>
+        <a:font script="Uigh" typeface="Microsoft Uighur"/>
+        <a:font script="Geor" typeface="Sylfaen"/>
+      </a:minorFont>
+    </a:fontScheme>
+    <a:fmtScheme name="Office">
+      <a:fillStyleLst>
+        <a:solidFill>
+          <a:schemeClr val="phClr"/>
+        </a:solidFill>
+        <a:gradFill rotWithShape="1">
+          <a:gsLst>
+            <a:gs pos="0">
+              <a:schemeClr val="phClr">
+                <a:tint val="50000"/>
+                <a:satMod val="300000"/>
+              </a:schemeClr>
+            </a:gs>
+            <a:gs pos="35000">
+              <a:schemeClr val="phClr">
+                <a:tint val="37000"/>
+                <a:satMod val="300000"/>
+              </a:schemeClr>
+            </a:gs>
+            <a:gs pos="100000">
+              <a:schemeClr val="phClr">
+                <a:tint val="15000"/>
+                <a:satMod val="350000"/>
+              </a:schemeClr>
+            </a:gs>
+          </a:gsLst>
+          <a:lin ang="16200000" scaled="1"/>
+        </a:gradFill>
+        <a:gradFill rotWithShape="1">
+          <a:gsLst>
+            <a:gs pos="0">
+              <a:schemeClr val="phClr">
+                <a:tint val="100000"/>
+                <a:shade val="100000"/>
+                <a:satMod val="130000"/>
+              </a:schemeClr>
+            </a:gs>
+            <a:gs pos="100000">
+              <a:schemeClr val="phClr">
+                <a:tint val="50000"/>
+                <a:shade val="100000"/>
+                <a:satMod val="350000"/>
+              </a:schemeClr>
+            </a:gs>
+          </a:gsLst>
+          <a:lin ang="16200000" scaled="0"/>
+        </a:gradFill>
+      </a:fillStyleLst>
+      <a:lnStyleLst>
+        <a:ln w="9525" cap="flat" cmpd="sng" algn="ctr">
+          <a:solidFill>
+            <a:schemeClr val="phClr">
+              <a:shade val="95000"/>
+              <a:satMod val="105000"/>
+            </a:schemeClr>
+          </a:solidFill>
+          <a:prstDash val="solid"/>
+        </a:ln>
+        <a:ln w="25400" cap="flat" cmpd="sng" algn="ctr">
+          <a:solidFill>
+            <a:schemeClr val="phClr"/>
+          </a:solidFill>
+          <a:prstDash val="solid"/>
+        </a:ln>
+        <a:ln w="38100" cap="flat" cmpd="sng" algn="ctr">
+          <a:solidFill>
+            <a:schemeClr val="phClr"/>
+          </a:solidFill>
+          <a:prstDash val="solid"/>
+        </a:ln>
+      </a:lnStyleLst>
+      <a:effectStyleLst>
+        <a:effectStyle>
+          <a:effectLst>
+            <a:outerShdw blurRad="40000" dist="20000" dir="5400000" rotWithShape="0">
+              <a:srgbClr val="000000">
+                <a:alpha val="38000"/>
+              </a:srgbClr>
+            </a:outerShdw>
+          </a:effectLst>
+        </a:effectStyle>
+        <a:effectStyle>
+          <a:effectLst>
+            <a:outerShdw blurRad="40000" dist="23000" dir="5400000" rotWithShape="0">
+              <a:srgbClr val="000000">
+                <a:alpha val="35000"/>
+              </a:srgbClr>
+            </a:outerShdw>
+          </a:effectLst>
+        </a:effectStyle>
+        <a:effectStyle>
+          <a:effectLst>
+            <a:outerShdw blurRad="40000" dist="23000" dir="5400000" rotWithShape="0">
+              <a:srgbClr val="000000">
+                <a:alpha val="35000"/>
+              </a:srgbClr>
+            </a:outerShdw>
+          </a:effectLst>
+          <a:scene3d>
+            <a:camera prst="orthographicFront">
+              <a:rot lat="0" lon="0" rev="0"/>
+            </a:camera>
+            <a:lightRig rig="threePt" dir="t">
+              <a:rot lat="0" lon="0" rev="1200000"/>
+            </a:lightRig>
+          </a:scene3d>
+          <a:sp3d>
+            <a:bevelT w="63500" h="25400"/>
+          </a:sp3d>
+        </a:effectStyle>
+      </a:effectStyleLst>
+      <a:bgFillStyleLst>
+        <a:solidFill>
+          <a:schemeClr val="phClr"/>
+        </a:solidFill>
+        <a:gradFill rotWithShape="1">
+          <a:gsLst>
+            <a:gs pos="0">
+              <a:schemeClr val="phClr">
+                <a:tint val="40000"/>
+                <a:satMod val="350000"/>
+              </a:schemeClr>
+            </a:gs>
+            <a:gs pos="40000">
+              <a:schemeClr val="phClr">
+                <a:tint val="45000"/>
+                <a:shade val="99000"/>
+                <a:satMod val="350000"/>
+              </a:schemeClr>
+            </a:gs>
+            <a:gs pos="100000">
+              <a:schemeClr val="phClr">
+                <a:shade val="20000"/>
+                <a:satMod val="255000"/>
+              </a:schemeClr>
+            </a:gs>
+          </a:gsLst>
+          <a:path path="circle">
+            <a:fillToRect l="50000" t="-80000" r="50000" b="180000"/>
+          </a:path>
+        </a:gradFill>
+        <a:gradFill rotWithShape="1">
+          <a:gsLst>
+            <a:gs pos="0">
+              <a:schemeClr val="phClr">
+                <a:tint val="80000"/>
+                <a:satMod val="300000"/>
+              </a:schemeClr>
+            </a:gs>
+            <a:gs pos="100000">
+              <a:schemeClr val="phClr">
+                <a:shade val="30000"/>
+                <a:satMod val="200000"/>
+              </a:schemeClr>
+            </a:gs>
+          </a:gsLst>
+          <a:path path="circle">
+            <a:fillToRect l="50000" t="50000" r="50000" b="50000"/>
+          </a:path>
+        </a:gradFill>
+      </a:bgFillStyleLst>
+    </a:fmtScheme>
+  </a:themeElements>
+</a:theme>
+</file>
+
+<file path=ppt/theme/theme2.xml><?xml version="1.0" encoding="utf-8"?>
 <a:theme xmlns:a="http://schemas.openxmlformats.org/drawingml/2006/main" xmlns:r="http://schemas.openxmlformats.org/officeDocument/2006/relationships" name="Simple Light">
   <a:themeElements>
     <a:clrScheme name="Simple Light">
@@ -8739,283 +9056,4 @@
     </a:fmtScheme>
   </a:themeElements>
 </a:theme>
-</file>
-
-<file path=ppt/theme/theme2.xml><?xml version="1.0" encoding="utf-8"?>
-<a:theme xmlns:a="http://schemas.openxmlformats.org/drawingml/2006/main" xmlns:r="http://schemas.openxmlformats.org/officeDocument/2006/relationships">
-  <a:themeElements>
-    <a:clrScheme name="Default">
-      <a:dk1>
-        <a:srgbClr val="000000"/>
-      </a:dk1>
-      <a:lt1>
-        <a:srgbClr val="FFFFFF"/>
-      </a:lt1>
-      <a:dk2>
-        <a:srgbClr val="158158"/>
-      </a:dk2>
-      <a:lt2>
-        <a:srgbClr val="F3F3F3"/>
-      </a:lt2>
-      <a:accent1>
-        <a:srgbClr val="058DC7"/>
-      </a:accent1>
-      <a:accent2>
-        <a:srgbClr val="50B432"/>
-      </a:accent2>
-      <a:accent3>
-        <a:srgbClr val="ED561B"/>
-      </a:accent3>
-      <a:accent4>
-        <a:srgbClr val="EDEF00"/>
-      </a:accent4>
-      <a:accent5>
-        <a:srgbClr val="24CBE5"/>
-      </a:accent5>
-      <a:accent6>
-        <a:srgbClr val="64E572"/>
-      </a:accent6>
-      <a:hlink>
-        <a:srgbClr val="2200CC"/>
-      </a:hlink>
-      <a:folHlink>
-        <a:srgbClr val="551A8B"/>
-      </a:folHlink>
-    </a:clrScheme>
-    <a:fontScheme name="Office">
-      <a:majorFont>
-        <a:latin typeface="Arial"/>
-        <a:ea typeface=""/>
-        <a:cs typeface=""/>
-        <a:font script="Jpan" typeface="ＭＳ Ｐゴシック"/>
-        <a:font script="Hang" typeface="맑은 고딕"/>
-        <a:font script="Hans" typeface="宋体"/>
-        <a:font script="Hant" typeface="新細明體"/>
-        <a:font script="Arab" typeface="Times New Roman"/>
-        <a:font script="Hebr" typeface="Times New Roman"/>
-        <a:font script="Thai" typeface="Angsana New"/>
-        <a:font script="Ethi" typeface="Nyala"/>
-        <a:font script="Beng" typeface="Vrinda"/>
-        <a:font script="Gujr" typeface="Shruti"/>
-        <a:font script="Khmr" typeface="MoolBoran"/>
-        <a:font script="Knda" typeface="Tunga"/>
-        <a:font script="Guru" typeface="Raavi"/>
-        <a:font script="Cans" typeface="Euphemia"/>
-        <a:font script="Cher" typeface="Plantagenet Cherokee"/>
-        <a:font script="Yiii" typeface="Microsoft Yi Baiti"/>
-        <a:font script="Tibt" typeface="Microsoft Himalaya"/>
-        <a:font script="Thaa" typeface="MV Boli"/>
-        <a:font script="Deva" typeface="Mangal"/>
-        <a:font script="Telu" typeface="Gautami"/>
-        <a:font script="Taml" typeface="Latha"/>
-        <a:font script="Syrc" typeface="Estrangelo Edessa"/>
-        <a:font script="Orya" typeface="Kalinga"/>
-        <a:font script="Mlym" typeface="Kartika"/>
-        <a:font script="Laoo" typeface="DokChampa"/>
-        <a:font script="Sinh" typeface="Iskoola Pota"/>
-        <a:font script="Mong" typeface="Mongolian Baiti"/>
-        <a:font script="Viet" typeface="Times New Roman"/>
-        <a:font script="Uigh" typeface="Microsoft Uighur"/>
-        <a:font script="Geor" typeface="Sylfaen"/>
-      </a:majorFont>
-      <a:minorFont>
-        <a:latin typeface="Arial"/>
-        <a:ea typeface=""/>
-        <a:cs typeface=""/>
-        <a:font script="Jpan" typeface="ＭＳ Ｐゴシック"/>
-        <a:font script="Hang" typeface="맑은 고딕"/>
-        <a:font script="Hans" typeface="宋体"/>
-        <a:font script="Hant" typeface="新細明體"/>
-        <a:font script="Arab" typeface="Arial"/>
-        <a:font script="Hebr" typeface="Arial"/>
-        <a:font script="Thai" typeface="Cordia New"/>
-        <a:font script="Ethi" typeface="Nyala"/>
-        <a:font script="Beng" typeface="Vrinda"/>
-        <a:font script="Gujr" typeface="Shruti"/>
-        <a:font script="Khmr" typeface="DaunPenh"/>
-        <a:font script="Knda" typeface="Tunga"/>
-        <a:font script="Guru" typeface="Raavi"/>
-        <a:font script="Cans" typeface="Euphemia"/>
-        <a:font script="Cher" typeface="Plantagenet Cherokee"/>
-        <a:font script="Yiii" typeface="Microsoft Yi Baiti"/>
-        <a:font script="Tibt" typeface="Microsoft Himalaya"/>
-        <a:font script="Thaa" typeface="MV Boli"/>
-        <a:font script="Deva" typeface="Mangal"/>
-        <a:font script="Telu" typeface="Gautami"/>
-        <a:font script="Taml" typeface="Latha"/>
-        <a:font script="Syrc" typeface="Estrangelo Edessa"/>
-        <a:font script="Orya" typeface="Kalinga"/>
-        <a:font script="Mlym" typeface="Kartika"/>
-        <a:font script="Laoo" typeface="DokChampa"/>
-        <a:font script="Sinh" typeface="Iskoola Pota"/>
-        <a:font script="Mong" typeface="Mongolian Baiti"/>
-        <a:font script="Viet" typeface="Arial"/>
-        <a:font script="Uigh" typeface="Microsoft Uighur"/>
-        <a:font script="Geor" typeface="Sylfaen"/>
-      </a:minorFont>
-    </a:fontScheme>
-    <a:fmtScheme name="Office">
-      <a:fillStyleLst>
-        <a:solidFill>
-          <a:schemeClr val="phClr"/>
-        </a:solidFill>
-        <a:gradFill rotWithShape="1">
-          <a:gsLst>
-            <a:gs pos="0">
-              <a:schemeClr val="phClr">
-                <a:tint val="50000"/>
-                <a:satMod val="300000"/>
-              </a:schemeClr>
-            </a:gs>
-            <a:gs pos="35000">
-              <a:schemeClr val="phClr">
-                <a:tint val="37000"/>
-                <a:satMod val="300000"/>
-              </a:schemeClr>
-            </a:gs>
-            <a:gs pos="100000">
-              <a:schemeClr val="phClr">
-                <a:tint val="15000"/>
-                <a:satMod val="350000"/>
-              </a:schemeClr>
-            </a:gs>
-          </a:gsLst>
-          <a:lin ang="16200000" scaled="1"/>
-        </a:gradFill>
-        <a:gradFill rotWithShape="1">
-          <a:gsLst>
-            <a:gs pos="0">
-              <a:schemeClr val="phClr">
-                <a:tint val="100000"/>
-                <a:shade val="100000"/>
-                <a:satMod val="130000"/>
-              </a:schemeClr>
-            </a:gs>
-            <a:gs pos="100000">
-              <a:schemeClr val="phClr">
-                <a:tint val="50000"/>
-                <a:shade val="100000"/>
-                <a:satMod val="350000"/>
-              </a:schemeClr>
-            </a:gs>
-          </a:gsLst>
-          <a:lin ang="16200000" scaled="0"/>
-        </a:gradFill>
-      </a:fillStyleLst>
-      <a:lnStyleLst>
-        <a:ln w="9525" cap="flat" cmpd="sng" algn="ctr">
-          <a:solidFill>
-            <a:schemeClr val="phClr">
-              <a:shade val="95000"/>
-              <a:satMod val="105000"/>
-            </a:schemeClr>
-          </a:solidFill>
-          <a:prstDash val="solid"/>
-        </a:ln>
-        <a:ln w="25400" cap="flat" cmpd="sng" algn="ctr">
-          <a:solidFill>
-            <a:schemeClr val="phClr"/>
-          </a:solidFill>
-          <a:prstDash val="solid"/>
-        </a:ln>
-        <a:ln w="38100" cap="flat" cmpd="sng" algn="ctr">
-          <a:solidFill>
-            <a:schemeClr val="phClr"/>
-          </a:solidFill>
-          <a:prstDash val="solid"/>
-        </a:ln>
-      </a:lnStyleLst>
-      <a:effectStyleLst>
-        <a:effectStyle>
-          <a:effectLst>
-            <a:outerShdw blurRad="40000" dist="20000" dir="5400000" rotWithShape="0">
-              <a:srgbClr val="000000">
-                <a:alpha val="38000"/>
-              </a:srgbClr>
-            </a:outerShdw>
-          </a:effectLst>
-        </a:effectStyle>
-        <a:effectStyle>
-          <a:effectLst>
-            <a:outerShdw blurRad="40000" dist="23000" dir="5400000" rotWithShape="0">
-              <a:srgbClr val="000000">
-                <a:alpha val="35000"/>
-              </a:srgbClr>
-            </a:outerShdw>
-          </a:effectLst>
-        </a:effectStyle>
-        <a:effectStyle>
-          <a:effectLst>
-            <a:outerShdw blurRad="40000" dist="23000" dir="5400000" rotWithShape="0">
-              <a:srgbClr val="000000">
-                <a:alpha val="35000"/>
-              </a:srgbClr>
-            </a:outerShdw>
-          </a:effectLst>
-          <a:scene3d>
-            <a:camera prst="orthographicFront">
-              <a:rot lat="0" lon="0" rev="0"/>
-            </a:camera>
-            <a:lightRig rig="threePt" dir="t">
-              <a:rot lat="0" lon="0" rev="1200000"/>
-            </a:lightRig>
-          </a:scene3d>
-          <a:sp3d>
-            <a:bevelT w="63500" h="25400"/>
-          </a:sp3d>
-        </a:effectStyle>
-      </a:effectStyleLst>
-      <a:bgFillStyleLst>
-        <a:solidFill>
-          <a:schemeClr val="phClr"/>
-        </a:solidFill>
-        <a:gradFill rotWithShape="1">
-          <a:gsLst>
-            <a:gs pos="0">
-              <a:schemeClr val="phClr">
-                <a:tint val="40000"/>
-                <a:satMod val="350000"/>
-              </a:schemeClr>
-            </a:gs>
-            <a:gs pos="40000">
-              <a:schemeClr val="phClr">
-                <a:tint val="45000"/>
-                <a:shade val="99000"/>
-                <a:satMod val="350000"/>
-              </a:schemeClr>
-            </a:gs>
-            <a:gs pos="100000">
-              <a:schemeClr val="phClr">
-                <a:shade val="20000"/>
-                <a:satMod val="255000"/>
-              </a:schemeClr>
-            </a:gs>
-          </a:gsLst>
-          <a:path path="circle">
-            <a:fillToRect l="50000" t="-80000" r="50000" b="180000"/>
-          </a:path>
-        </a:gradFill>
-        <a:gradFill rotWithShape="1">
-          <a:gsLst>
-            <a:gs pos="0">
-              <a:schemeClr val="phClr">
-                <a:tint val="80000"/>
-                <a:satMod val="300000"/>
-              </a:schemeClr>
-            </a:gs>
-            <a:gs pos="100000">
-              <a:schemeClr val="phClr">
-                <a:shade val="30000"/>
-                <a:satMod val="200000"/>
-              </a:schemeClr>
-            </a:gs>
-          </a:gsLst>
-          <a:path path="circle">
-            <a:fillToRect l="50000" t="50000" r="50000" b="50000"/>
-          </a:path>
-        </a:gradFill>
-      </a:bgFillStyleLst>
-    </a:fmtScheme>
-  </a:themeElements>
-</a:theme>
 </file>
--- a/GEViz.pptx
+++ b/GEViz.pptx
@@ -8501,6 +8501,285 @@
 </file>
 
 <file path=ppt/theme/theme1.xml><?xml version="1.0" encoding="utf-8"?>
+<a:theme xmlns:a="http://schemas.openxmlformats.org/drawingml/2006/main" xmlns:r="http://schemas.openxmlformats.org/officeDocument/2006/relationships" name="Simple Light">
+  <a:themeElements>
+    <a:clrScheme name="Simple Light">
+      <a:dk1>
+        <a:srgbClr val="000000"/>
+      </a:dk1>
+      <a:lt1>
+        <a:srgbClr val="FFFFFF"/>
+      </a:lt1>
+      <a:dk2>
+        <a:srgbClr val="595959"/>
+      </a:dk2>
+      <a:lt2>
+        <a:srgbClr val="EEEEEE"/>
+      </a:lt2>
+      <a:accent1>
+        <a:srgbClr val="FFAB40"/>
+      </a:accent1>
+      <a:accent2>
+        <a:srgbClr val="212121"/>
+      </a:accent2>
+      <a:accent3>
+        <a:srgbClr val="78909C"/>
+      </a:accent3>
+      <a:accent4>
+        <a:srgbClr val="FFAB40"/>
+      </a:accent4>
+      <a:accent5>
+        <a:srgbClr val="0097A7"/>
+      </a:accent5>
+      <a:accent6>
+        <a:srgbClr val="EEFF41"/>
+      </a:accent6>
+      <a:hlink>
+        <a:srgbClr val="0097A7"/>
+      </a:hlink>
+      <a:folHlink>
+        <a:srgbClr val="0097A7"/>
+      </a:folHlink>
+    </a:clrScheme>
+    <a:fontScheme name="Office">
+      <a:majorFont>
+        <a:latin typeface="Arial"/>
+        <a:ea typeface=""/>
+        <a:cs typeface=""/>
+        <a:font script="Jpan" typeface="ＭＳ Ｐゴシック"/>
+        <a:font script="Hang" typeface="맑은 고딕"/>
+        <a:font script="Hans" typeface="宋体"/>
+        <a:font script="Hant" typeface="新細明體"/>
+        <a:font script="Arab" typeface="Times New Roman"/>
+        <a:font script="Hebr" typeface="Times New Roman"/>
+        <a:font script="Thai" typeface="Angsana New"/>
+        <a:font script="Ethi" typeface="Nyala"/>
+        <a:font script="Beng" typeface="Vrinda"/>
+        <a:font script="Gujr" typeface="Shruti"/>
+        <a:font script="Khmr" typeface="MoolBoran"/>
+        <a:font script="Knda" typeface="Tunga"/>
+        <a:font script="Guru" typeface="Raavi"/>
+        <a:font script="Cans" typeface="Euphemia"/>
+        <a:font script="Cher" typeface="Plantagenet Cherokee"/>
+        <a:font script="Yiii" typeface="Microsoft Yi Baiti"/>
+        <a:font script="Tibt" typeface="Microsoft Himalaya"/>
+        <a:font script="Thaa" typeface="MV Boli"/>
+        <a:font script="Deva" typeface="Mangal"/>
+        <a:font script="Telu" typeface="Gautami"/>
+        <a:font script="Taml" typeface="Latha"/>
+        <a:font script="Syrc" typeface="Estrangelo Edessa"/>
+        <a:font script="Orya" typeface="Kalinga"/>
+        <a:font script="Mlym" typeface="Kartika"/>
+        <a:font script="Laoo" typeface="DokChampa"/>
+        <a:font script="Sinh" typeface="Iskoola Pota"/>
+        <a:font script="Mong" typeface="Mongolian Baiti"/>
+        <a:font script="Viet" typeface="Times New Roman"/>
+        <a:font script="Uigh" typeface="Microsoft Uighur"/>
+        <a:font script="Geor" typeface="Sylfaen"/>
+      </a:majorFont>
+      <a:minorFont>
+        <a:latin typeface="Arial"/>
+        <a:ea typeface=""/>
+        <a:cs typeface=""/>
+        <a:font script="Jpan" typeface="ＭＳ Ｐゴシック"/>
+        <a:font script="Hang" typeface="맑은 고딕"/>
+        <a:font script="Hans" typeface="宋体"/>
+        <a:font script="Hant" typeface="新細明體"/>
+        <a:font script="Arab" typeface="Arial"/>
+        <a:font script="Hebr" typeface="Arial"/>
+        <a:font script="Thai" typeface="Cordia New"/>
+        <a:font script="Ethi" typeface="Nyala"/>
+        <a:font script="Beng" typeface="Vrinda"/>
+        <a:font script="Gujr" typeface="Shruti"/>
+        <a:font script="Khmr" typeface="DaunPenh"/>
+        <a:font script="Knda" typeface="Tunga"/>
+        <a:font script="Guru" typeface="Raavi"/>
+        <a:font script="Cans" typeface="Euphemia"/>
+        <a:font script="Cher" typeface="Plantagenet Cherokee"/>
+        <a:font script="Yiii" typeface="Microsoft Yi Baiti"/>
+        <a:font script="Tibt" typeface="Microsoft Himalaya"/>
+        <a:font script="Thaa" typeface="MV Boli"/>
+        <a:font script="Deva" typeface="Mangal"/>
+        <a:font script="Telu" typeface="Gautami"/>
+        <a:font script="Taml" typeface="Latha"/>
+        <a:font script="Syrc" typeface="Estrangelo Edessa"/>
+        <a:font script="Orya" typeface="Kalinga"/>
+        <a:font script="Mlym" typeface="Kartika"/>
+        <a:font script="Laoo" typeface="DokChampa"/>
+        <a:font script="Sinh" typeface="Iskoola Pota"/>
+        <a:font script="Mong" typeface="Mongolian Baiti"/>
+        <a:font script="Viet" typeface="Arial"/>
+        <a:font script="Uigh" typeface="Microsoft Uighur"/>
+        <a:font script="Geor" typeface="Sylfaen"/>
+      </a:minorFont>
+    </a:fontScheme>
+    <a:fmtScheme name="Office">
+      <a:fillStyleLst>
+        <a:solidFill>
+          <a:schemeClr val="phClr"/>
+        </a:solidFill>
+        <a:gradFill rotWithShape="1">
+          <a:gsLst>
+            <a:gs pos="0">
+              <a:schemeClr val="phClr">
+                <a:tint val="50000"/>
+                <a:satMod val="300000"/>
+              </a:schemeClr>
+            </a:gs>
+            <a:gs pos="35000">
+              <a:schemeClr val="phClr">
+                <a:tint val="37000"/>
+                <a:satMod val="300000"/>
+              </a:schemeClr>
+            </a:gs>
+            <a:gs pos="100000">
+              <a:schemeClr val="phClr">
+                <a:tint val="15000"/>
+                <a:satMod val="350000"/>
+              </a:schemeClr>
+            </a:gs>
+          </a:gsLst>
+          <a:lin ang="16200000" scaled="1"/>
+        </a:gradFill>
+        <a:gradFill rotWithShape="1">
+          <a:gsLst>
+            <a:gs pos="0">
+              <a:schemeClr val="phClr">
+                <a:tint val="100000"/>
+                <a:shade val="100000"/>
+                <a:satMod val="130000"/>
+              </a:schemeClr>
+            </a:gs>
+            <a:gs pos="100000">
+              <a:schemeClr val="phClr">
+                <a:tint val="50000"/>
+                <a:shade val="100000"/>
+                <a:satMod val="350000"/>
+              </a:schemeClr>
+            </a:gs>
+          </a:gsLst>
+          <a:lin ang="16200000" scaled="0"/>
+        </a:gradFill>
+      </a:fillStyleLst>
+      <a:lnStyleLst>
+        <a:ln w="9525" cap="flat" cmpd="sng" algn="ctr">
+          <a:solidFill>
+            <a:schemeClr val="phClr">
+              <a:shade val="95000"/>
+              <a:satMod val="105000"/>
+            </a:schemeClr>
+          </a:solidFill>
+          <a:prstDash val="solid"/>
+        </a:ln>
+        <a:ln w="25400" cap="flat" cmpd="sng" algn="ctr">
+          <a:solidFill>
+            <a:schemeClr val="phClr"/>
+          </a:solidFill>
+          <a:prstDash val="solid"/>
+        </a:ln>
+        <a:ln w="38100" cap="flat" cmpd="sng" algn="ctr">
+          <a:solidFill>
+            <a:schemeClr val="phClr"/>
+          </a:solidFill>
+          <a:prstDash val="solid"/>
+        </a:ln>
+      </a:lnStyleLst>
+      <a:effectStyleLst>
+        <a:effectStyle>
+          <a:effectLst>
+            <a:outerShdw blurRad="40000" dist="20000" dir="5400000" rotWithShape="0">
+              <a:srgbClr val="000000">
+                <a:alpha val="38000"/>
+              </a:srgbClr>
+            </a:outerShdw>
+          </a:effectLst>
+        </a:effectStyle>
+        <a:effectStyle>
+          <a:effectLst>
+            <a:outerShdw blurRad="40000" dist="23000" dir="5400000" rotWithShape="0">
+              <a:srgbClr val="000000">
+                <a:alpha val="35000"/>
+              </a:srgbClr>
+            </a:outerShdw>
+          </a:effectLst>
+        </a:effectStyle>
+        <a:effectStyle>
+          <a:effectLst>
+            <a:outerShdw blurRad="40000" dist="23000" dir="5400000" rotWithShape="0">
+              <a:srgbClr val="000000">
+                <a:alpha val="35000"/>
+              </a:srgbClr>
+            </a:outerShdw>
+          </a:effectLst>
+          <a:scene3d>
+            <a:camera prst="orthographicFront">
+              <a:rot lat="0" lon="0" rev="0"/>
+            </a:camera>
+            <a:lightRig rig="threePt" dir="t">
+              <a:rot lat="0" lon="0" rev="1200000"/>
+            </a:lightRig>
+          </a:scene3d>
+          <a:sp3d>
+            <a:bevelT w="63500" h="25400"/>
+          </a:sp3d>
+        </a:effectStyle>
+      </a:effectStyleLst>
+      <a:bgFillStyleLst>
+        <a:solidFill>
+          <a:schemeClr val="phClr"/>
+        </a:solidFill>
+        <a:gradFill rotWithShape="1">
+          <a:gsLst>
+            <a:gs pos="0">
+              <a:schemeClr val="phClr">
+                <a:tint val="40000"/>
+                <a:satMod val="350000"/>
+              </a:schemeClr>
+            </a:gs>
+            <a:gs pos="40000">
+              <a:schemeClr val="phClr">
+                <a:tint val="45000"/>
+                <a:shade val="99000"/>
+                <a:satMod val="350000"/>
+              </a:schemeClr>
+            </a:gs>
+            <a:gs pos="100000">
+              <a:schemeClr val="phClr">
+                <a:shade val="20000"/>
+                <a:satMod val="255000"/>
+              </a:schemeClr>
+            </a:gs>
+          </a:gsLst>
+          <a:path path="circle">
+            <a:fillToRect l="50000" t="-80000" r="50000" b="180000"/>
+          </a:path>
+        </a:gradFill>
+        <a:gradFill rotWithShape="1">
+          <a:gsLst>
+            <a:gs pos="0">
+              <a:schemeClr val="phClr">
+                <a:tint val="80000"/>
+                <a:satMod val="300000"/>
+              </a:schemeClr>
+            </a:gs>
+            <a:gs pos="100000">
+              <a:schemeClr val="phClr">
+                <a:shade val="30000"/>
+                <a:satMod val="200000"/>
+              </a:schemeClr>
+            </a:gs>
+          </a:gsLst>
+          <a:path path="circle">
+            <a:fillToRect l="50000" t="50000" r="50000" b="50000"/>
+          </a:path>
+        </a:gradFill>
+      </a:bgFillStyleLst>
+    </a:fmtScheme>
+  </a:themeElements>
+</a:theme>
+</file>
+
+<file path=ppt/theme/theme2.xml><?xml version="1.0" encoding="utf-8"?>
 <a:theme xmlns:a="http://schemas.openxmlformats.org/drawingml/2006/main" xmlns:r="http://schemas.openxmlformats.org/officeDocument/2006/relationships">
   <a:themeElements>
     <a:clrScheme name="Default">
@@ -8777,283 +9056,4 @@
     </a:fmtScheme>
   </a:themeElements>
 </a:theme>
-</file>
-
-<file path=ppt/theme/theme2.xml><?xml version="1.0" encoding="utf-8"?>
-<a:theme xmlns:a="http://schemas.openxmlformats.org/drawingml/2006/main" xmlns:r="http://schemas.openxmlformats.org/officeDocument/2006/relationships" name="Simple Light">
-  <a:themeElements>
-    <a:clrScheme name="Simple Light">
-      <a:dk1>
-        <a:srgbClr val="000000"/>
-      </a:dk1>
-      <a:lt1>
-        <a:srgbClr val="FFFFFF"/>
-      </a:lt1>
-      <a:dk2>
-        <a:srgbClr val="595959"/>
-      </a:dk2>
-      <a:lt2>
-        <a:srgbClr val="EEEEEE"/>
-      </a:lt2>
-      <a:accent1>
-        <a:srgbClr val="FFAB40"/>
-      </a:accent1>
-      <a:accent2>
-        <a:srgbClr val="212121"/>
-      </a:accent2>
-      <a:accent3>
-        <a:srgbClr val="78909C"/>
-      </a:accent3>
-      <a:accent4>
-        <a:srgbClr val="FFAB40"/>
-      </a:accent4>
-      <a:accent5>
-        <a:srgbClr val="0097A7"/>
-      </a:accent5>
-      <a:accent6>
-        <a:srgbClr val="EEFF41"/>
-      </a:accent6>
-      <a:hlink>
-        <a:srgbClr val="0097A7"/>
-      </a:hlink>
-      <a:folHlink>
-        <a:srgbClr val="0097A7"/>
-      </a:folHlink>
-    </a:clrScheme>
-    <a:fontScheme name="Office">
-      <a:majorFont>
-        <a:latin typeface="Arial"/>
-        <a:ea typeface=""/>
-        <a:cs typeface=""/>
-        <a:font script="Jpan" typeface="ＭＳ Ｐゴシック"/>
-        <a:font script="Hang" typeface="맑은 고딕"/>
-        <a:font script="Hans" typeface="宋体"/>
-        <a:font script="Hant" typeface="新細明體"/>
-        <a:font script="Arab" typeface="Times New Roman"/>
-        <a:font script="Hebr" typeface="Times New Roman"/>
-        <a:font script="Thai" typeface="Angsana New"/>
-        <a:font script="Ethi" typeface="Nyala"/>
-        <a:font script="Beng" typeface="Vrinda"/>
-        <a:font script="Gujr" typeface="Shruti"/>
-        <a:font script="Khmr" typeface="MoolBoran"/>
-        <a:font script="Knda" typeface="Tunga"/>
-        <a:font script="Guru" typeface="Raavi"/>
-        <a:font script="Cans" typeface="Euphemia"/>
-        <a:font script="Cher" typeface="Plantagenet Cherokee"/>
-        <a:font script="Yiii" typeface="Microsoft Yi Baiti"/>
-        <a:font script="Tibt" typeface="Microsoft Himalaya"/>
-        <a:font script="Thaa" typeface="MV Boli"/>
-        <a:font script="Deva" typeface="Mangal"/>
-        <a:font script="Telu" typeface="Gautami"/>
-        <a:font script="Taml" typeface="Latha"/>
-        <a:font script="Syrc" typeface="Estrangelo Edessa"/>
-        <a:font script="Orya" typeface="Kalinga"/>
-        <a:font script="Mlym" typeface="Kartika"/>
-        <a:font script="Laoo" typeface="DokChampa"/>
-        <a:font script="Sinh" typeface="Iskoola Pota"/>
-        <a:font script="Mong" typeface="Mongolian Baiti"/>
-        <a:font script="Viet" typeface="Times New Roman"/>
-        <a:font script="Uigh" typeface="Microsoft Uighur"/>
-        <a:font script="Geor" typeface="Sylfaen"/>
-      </a:majorFont>
-      <a:minorFont>
-        <a:latin typeface="Arial"/>
-        <a:ea typeface=""/>
-        <a:cs typeface=""/>
-        <a:font script="Jpan" typeface="ＭＳ Ｐゴシック"/>
-        <a:font script="Hang" typeface="맑은 고딕"/>
-        <a:font script="Hans" typeface="宋体"/>
-        <a:font script="Hant" typeface="新細明體"/>
-        <a:font script="Arab" typeface="Arial"/>
-        <a:font script="Hebr" typeface="Arial"/>
-        <a:font script="Thai" typeface="Cordia New"/>
-        <a:font script="Ethi" typeface="Nyala"/>
-        <a:font script="Beng" typeface="Vrinda"/>
-        <a:font script="Gujr" typeface="Shruti"/>
-        <a:font script="Khmr" typeface="DaunPenh"/>
-        <a:font script="Knda" typeface="Tunga"/>
-        <a:font script="Guru" typeface="Raavi"/>
-        <a:font script="Cans" typeface="Euphemia"/>
-        <a:font script="Cher" typeface="Plantagenet Cherokee"/>
-        <a:font script="Yiii" typeface="Microsoft Yi Baiti"/>
-        <a:font script="Tibt" typeface="Microsoft Himalaya"/>
-        <a:font script="Thaa" typeface="MV Boli"/>
-        <a:font script="Deva" typeface="Mangal"/>
-        <a:font script="Telu" typeface="Gautami"/>
-        <a:font script="Taml" typeface="Latha"/>
-        <a:font script="Syrc" typeface="Estrangelo Edessa"/>
-        <a:font script="Orya" typeface="Kalinga"/>
-        <a:font script="Mlym" typeface="Kartika"/>
-        <a:font script="Laoo" typeface="DokChampa"/>
-        <a:font script="Sinh" typeface="Iskoola Pota"/>
-        <a:font script="Mong" typeface="Mongolian Baiti"/>
-        <a:font script="Viet" typeface="Arial"/>
-        <a:font script="Uigh" typeface="Microsoft Uighur"/>
-        <a:font script="Geor" typeface="Sylfaen"/>
-      </a:minorFont>
-    </a:fontScheme>
-    <a:fmtScheme name="Office">
-      <a:fillStyleLst>
-        <a:solidFill>
-          <a:schemeClr val="phClr"/>
-        </a:solidFill>
-        <a:gradFill rotWithShape="1">
-          <a:gsLst>
-            <a:gs pos="0">
-              <a:schemeClr val="phClr">
-                <a:tint val="50000"/>
-                <a:satMod val="300000"/>
-              </a:schemeClr>
-            </a:gs>
-            <a:gs pos="35000">
-              <a:schemeClr val="phClr">
-                <a:tint val="37000"/>
-                <a:satMod val="300000"/>
-              </a:schemeClr>
-            </a:gs>
-            <a:gs pos="100000">
-              <a:schemeClr val="phClr">
-                <a:tint val="15000"/>
-                <a:satMod val="350000"/>
-              </a:schemeClr>
-            </a:gs>
-          </a:gsLst>
-          <a:lin ang="16200000" scaled="1"/>
-        </a:gradFill>
-        <a:gradFill rotWithShape="1">
-          <a:gsLst>
-            <a:gs pos="0">
-              <a:schemeClr val="phClr">
-                <a:tint val="100000"/>
-                <a:shade val="100000"/>
-                <a:satMod val="130000"/>
-              </a:schemeClr>
-            </a:gs>
-            <a:gs pos="100000">
-              <a:schemeClr val="phClr">
-                <a:tint val="50000"/>
-                <a:shade val="100000"/>
-                <a:satMod val="350000"/>
-              </a:schemeClr>
-            </a:gs>
-          </a:gsLst>
-          <a:lin ang="16200000" scaled="0"/>
-        </a:gradFill>
-      </a:fillStyleLst>
-      <a:lnStyleLst>
-        <a:ln w="9525" cap="flat" cmpd="sng" algn="ctr">
-          <a:solidFill>
-            <a:schemeClr val="phClr">
-              <a:shade val="95000"/>
-              <a:satMod val="105000"/>
-            </a:schemeClr>
-          </a:solidFill>
-          <a:prstDash val="solid"/>
-        </a:ln>
-        <a:ln w="25400" cap="flat" cmpd="sng" algn="ctr">
-          <a:solidFill>
-            <a:schemeClr val="phClr"/>
-          </a:solidFill>
-          <a:prstDash val="solid"/>
-        </a:ln>
-        <a:ln w="38100" cap="flat" cmpd="sng" algn="ctr">
-          <a:solidFill>
-            <a:schemeClr val="phClr"/>
-          </a:solidFill>
-          <a:prstDash val="solid"/>
-        </a:ln>
-      </a:lnStyleLst>
-      <a:effectStyleLst>
-        <a:effectStyle>
-          <a:effectLst>
-            <a:outerShdw blurRad="40000" dist="20000" dir="5400000" rotWithShape="0">
-              <a:srgbClr val="000000">
-                <a:alpha val="38000"/>
-              </a:srgbClr>
-            </a:outerShdw>
-          </a:effectLst>
-        </a:effectStyle>
-        <a:effectStyle>
-          <a:effectLst>
-            <a:outerShdw blurRad="40000" dist="23000" dir="5400000" rotWithShape="0">
-              <a:srgbClr val="000000">
-                <a:alpha val="35000"/>
-              </a:srgbClr>
-            </a:outerShdw>
-          </a:effectLst>
-        </a:effectStyle>
-        <a:effectStyle>
-          <a:effectLst>
-            <a:outerShdw blurRad="40000" dist="23000" dir="5400000" rotWithShape="0">
-              <a:srgbClr val="000000">
-                <a:alpha val="35000"/>
-              </a:srgbClr>
-            </a:outerShdw>
-          </a:effectLst>
-          <a:scene3d>
-            <a:camera prst="orthographicFront">
-              <a:rot lat="0" lon="0" rev="0"/>
-            </a:camera>
-            <a:lightRig rig="threePt" dir="t">
-              <a:rot lat="0" lon="0" rev="1200000"/>
-            </a:lightRig>
-          </a:scene3d>
-          <a:sp3d>
-            <a:bevelT w="63500" h="25400"/>
-          </a:sp3d>
-        </a:effectStyle>
-      </a:effectStyleLst>
-      <a:bgFillStyleLst>
-        <a:solidFill>
-          <a:schemeClr val="phClr"/>
-        </a:solidFill>
-        <a:gradFill rotWithShape="1">
-          <a:gsLst>
-            <a:gs pos="0">
-              <a:schemeClr val="phClr">
-                <a:tint val="40000"/>
-                <a:satMod val="350000"/>
-              </a:schemeClr>
-            </a:gs>
-            <a:gs pos="40000">
-              <a:schemeClr val="phClr">
-                <a:tint val="45000"/>
-                <a:shade val="99000"/>
-                <a:satMod val="350000"/>
-              </a:schemeClr>
-            </a:gs>
-            <a:gs pos="100000">
-              <a:schemeClr val="phClr">
-                <a:shade val="20000"/>
-                <a:satMod val="255000"/>
-              </a:schemeClr>
-            </a:gs>
-          </a:gsLst>
-          <a:path path="circle">
-            <a:fillToRect l="50000" t="-80000" r="50000" b="180000"/>
-          </a:path>
-        </a:gradFill>
-        <a:gradFill rotWithShape="1">
-          <a:gsLst>
-            <a:gs pos="0">
-              <a:schemeClr val="phClr">
-                <a:tint val="80000"/>
-                <a:satMod val="300000"/>
-              </a:schemeClr>
-            </a:gs>
-            <a:gs pos="100000">
-              <a:schemeClr val="phClr">
-                <a:shade val="30000"/>
-                <a:satMod val="200000"/>
-              </a:schemeClr>
-            </a:gs>
-          </a:gsLst>
-          <a:path path="circle">
-            <a:fillToRect l="50000" t="50000" r="50000" b="50000"/>
-          </a:path>
-        </a:gradFill>
-      </a:bgFillStyleLst>
-    </a:fmtScheme>
-  </a:themeElements>
-</a:theme>
 </file>
--- a/GEViz.pptx
+++ b/GEViz.pptx
@@ -1087,7 +1087,7 @@
   <p:cSld>
     <p:spTree>
       <p:nvGrpSpPr>
-        <p:cNvPr id="85" name="Shape 85"/>
+        <p:cNvPr id="86" name="Shape 86"/>
         <p:cNvGrpSpPr/>
         <p:nvPr/>
       </p:nvGrpSpPr>
@@ -1101,7 +1101,7 @@
       </p:grpSpPr>
       <p:sp>
         <p:nvSpPr>
-          <p:cNvPr id="86" name="Shape 86"/>
+          <p:cNvPr id="87" name="Shape 87"/>
           <p:cNvSpPr/>
           <p:nvPr>
             <p:ph idx="2" type="sldImg"/>
@@ -1135,7 +1135,7 @@
       </p:sp>
       <p:sp>
         <p:nvSpPr>
-          <p:cNvPr id="87" name="Shape 87"/>
+          <p:cNvPr id="88" name="Shape 88"/>
           <p:cNvSpPr txBox="1"/>
           <p:nvPr>
             <p:ph idx="1" type="body"/>
@@ -1185,7 +1185,7 @@
   <p:cSld>
     <p:spTree>
       <p:nvGrpSpPr>
-        <p:cNvPr id="94" name="Shape 94"/>
+        <p:cNvPr id="95" name="Shape 95"/>
         <p:cNvGrpSpPr/>
         <p:nvPr/>
       </p:nvGrpSpPr>
@@ -1199,7 +1199,7 @@
       </p:grpSpPr>
       <p:sp>
         <p:nvSpPr>
-          <p:cNvPr id="95" name="Shape 95"/>
+          <p:cNvPr id="96" name="Shape 96"/>
           <p:cNvSpPr/>
           <p:nvPr>
             <p:ph idx="2" type="sldImg"/>
@@ -1233,7 +1233,7 @@
       </p:sp>
       <p:sp>
         <p:nvSpPr>
-          <p:cNvPr id="96" name="Shape 96"/>
+          <p:cNvPr id="97" name="Shape 97"/>
           <p:cNvSpPr txBox="1"/>
           <p:nvPr>
             <p:ph idx="1" type="body"/>
@@ -1283,7 +1283,7 @@
   <p:cSld>
     <p:spTree>
       <p:nvGrpSpPr>
-        <p:cNvPr id="100" name="Shape 100"/>
+        <p:cNvPr id="101" name="Shape 101"/>
         <p:cNvGrpSpPr/>
         <p:nvPr/>
       </p:nvGrpSpPr>
@@ -1297,7 +1297,7 @@
       </p:grpSpPr>
       <p:sp>
         <p:nvSpPr>
-          <p:cNvPr id="101" name="Shape 101"/>
+          <p:cNvPr id="102" name="Shape 102"/>
           <p:cNvSpPr/>
           <p:nvPr>
             <p:ph idx="2" type="sldImg"/>
@@ -1331,7 +1331,7 @@
       </p:sp>
       <p:sp>
         <p:nvSpPr>
-          <p:cNvPr id="102" name="Shape 102"/>
+          <p:cNvPr id="103" name="Shape 103"/>
           <p:cNvSpPr txBox="1"/>
           <p:nvPr>
             <p:ph idx="1" type="body"/>
@@ -1434,7 +1434,7 @@
   <p:cSld>
     <p:spTree>
       <p:nvGrpSpPr>
-        <p:cNvPr id="114" name="Shape 114"/>
+        <p:cNvPr id="115" name="Shape 115"/>
         <p:cNvGrpSpPr/>
         <p:nvPr/>
       </p:nvGrpSpPr>
@@ -1448,7 +1448,7 @@
       </p:grpSpPr>
       <p:sp>
         <p:nvSpPr>
-          <p:cNvPr id="115" name="Shape 115"/>
+          <p:cNvPr id="116" name="Shape 116"/>
           <p:cNvSpPr/>
           <p:nvPr>
             <p:ph idx="2" type="sldImg"/>
@@ -1482,7 +1482,7 @@
       </p:sp>
       <p:sp>
         <p:nvSpPr>
-          <p:cNvPr id="116" name="Shape 116"/>
+          <p:cNvPr id="117" name="Shape 117"/>
           <p:cNvSpPr txBox="1"/>
           <p:nvPr>
             <p:ph idx="1" type="body"/>
@@ -7465,6 +7465,34 @@
           </a:ln>
         </p:spPr>
       </p:pic>
+      <p:pic>
+        <p:nvPicPr>
+          <p:cNvPr id="85" name="Shape 85"/>
+          <p:cNvPicPr preferRelativeResize="0"/>
+          <p:nvPr/>
+        </p:nvPicPr>
+        <p:blipFill>
+          <a:blip r:embed="rId4">
+            <a:alphaModFix/>
+          </a:blip>
+          <a:stretch>
+            <a:fillRect/>
+          </a:stretch>
+        </p:blipFill>
+        <p:spPr>
+          <a:xfrm>
+            <a:off x="270225" y="1520763"/>
+            <a:ext cx="7023676" cy="3329024"/>
+          </a:xfrm>
+          <a:prstGeom prst="rect">
+            <a:avLst/>
+          </a:prstGeom>
+          <a:noFill/>
+          <a:ln>
+            <a:noFill/>
+          </a:ln>
+        </p:spPr>
+      </p:pic>
     </p:spTree>
   </p:cSld>
   <p:clrMapOvr>
@@ -7478,7 +7506,7 @@
   <p:cSld>
     <p:spTree>
       <p:nvGrpSpPr>
-        <p:cNvPr id="88" name="Shape 88"/>
+        <p:cNvPr id="89" name="Shape 89"/>
         <p:cNvGrpSpPr/>
         <p:nvPr/>
       </p:nvGrpSpPr>
@@ -7492,7 +7520,7 @@
       </p:grpSpPr>
       <p:sp>
         <p:nvSpPr>
-          <p:cNvPr id="89" name="Shape 89"/>
+          <p:cNvPr id="90" name="Shape 90"/>
           <p:cNvSpPr txBox="1"/>
           <p:nvPr>
             <p:ph type="title"/>
@@ -7532,7 +7560,7 @@
       </p:sp>
       <p:sp>
         <p:nvSpPr>
-          <p:cNvPr id="90" name="Shape 90"/>
+          <p:cNvPr id="91" name="Shape 91"/>
           <p:cNvSpPr txBox="1"/>
           <p:nvPr/>
         </p:nvSpPr>
@@ -7596,7 +7624,7 @@
       </p:sp>
       <p:sp>
         <p:nvSpPr>
-          <p:cNvPr id="91" name="Shape 91"/>
+          <p:cNvPr id="92" name="Shape 92"/>
           <p:cNvSpPr txBox="1"/>
           <p:nvPr/>
         </p:nvSpPr>
@@ -7656,7 +7684,7 @@
       </p:sp>
       <p:sp>
         <p:nvSpPr>
-          <p:cNvPr id="92" name="Shape 92"/>
+          <p:cNvPr id="93" name="Shape 93"/>
           <p:cNvSpPr txBox="1"/>
           <p:nvPr>
             <p:ph idx="1" type="body"/>
@@ -7696,7 +7724,7 @@
       </p:sp>
       <p:pic>
         <p:nvPicPr>
-          <p:cNvPr id="93" name="Shape 93"/>
+          <p:cNvPr id="94" name="Shape 94"/>
           <p:cNvPicPr preferRelativeResize="0"/>
           <p:nvPr/>
         </p:nvPicPr>
@@ -7735,7 +7763,7 @@
   <p:cSld>
     <p:spTree>
       <p:nvGrpSpPr>
-        <p:cNvPr id="97" name="Shape 97"/>
+        <p:cNvPr id="98" name="Shape 98"/>
         <p:cNvGrpSpPr/>
         <p:nvPr/>
       </p:nvGrpSpPr>
@@ -7749,7 +7777,7 @@
       </p:grpSpPr>
       <p:sp>
         <p:nvSpPr>
-          <p:cNvPr id="98" name="Shape 98"/>
+          <p:cNvPr id="99" name="Shape 99"/>
           <p:cNvSpPr txBox="1"/>
           <p:nvPr>
             <p:ph type="title"/>
@@ -7789,7 +7817,7 @@
       </p:sp>
       <p:sp>
         <p:nvSpPr>
-          <p:cNvPr id="99" name="Shape 99"/>
+          <p:cNvPr id="100" name="Shape 100"/>
           <p:cNvSpPr txBox="1"/>
           <p:nvPr>
             <p:ph idx="1" type="body"/>
@@ -7960,7 +7988,7 @@
   <p:cSld>
     <p:spTree>
       <p:nvGrpSpPr>
-        <p:cNvPr id="103" name="Shape 103"/>
+        <p:cNvPr id="104" name="Shape 104"/>
         <p:cNvGrpSpPr/>
         <p:nvPr/>
       </p:nvGrpSpPr>
@@ -7974,7 +8002,7 @@
       </p:grpSpPr>
       <p:sp>
         <p:nvSpPr>
-          <p:cNvPr id="104" name="Shape 104"/>
+          <p:cNvPr id="105" name="Shape 105"/>
           <p:cNvSpPr txBox="1"/>
           <p:nvPr>
             <p:ph type="title"/>
@@ -8014,7 +8042,7 @@
       </p:sp>
       <p:pic>
         <p:nvPicPr>
-          <p:cNvPr id="105" name="Shape 105"/>
+          <p:cNvPr id="106" name="Shape 106"/>
           <p:cNvPicPr preferRelativeResize="0"/>
           <p:nvPr/>
         </p:nvPicPr>
@@ -8042,7 +8070,7 @@
       </p:pic>
       <p:pic>
         <p:nvPicPr>
-          <p:cNvPr id="106" name="Shape 106"/>
+          <p:cNvPr id="107" name="Shape 107"/>
           <p:cNvPicPr preferRelativeResize="0"/>
           <p:nvPr/>
         </p:nvPicPr>
@@ -8070,7 +8098,7 @@
       </p:pic>
       <p:pic>
         <p:nvPicPr>
-          <p:cNvPr id="107" name="Shape 107"/>
+          <p:cNvPr id="108" name="Shape 108"/>
           <p:cNvPicPr preferRelativeResize="0"/>
           <p:nvPr/>
         </p:nvPicPr>
@@ -8098,7 +8126,7 @@
       </p:pic>
       <p:pic>
         <p:nvPicPr>
-          <p:cNvPr id="108" name="Shape 108"/>
+          <p:cNvPr id="109" name="Shape 109"/>
           <p:cNvPicPr preferRelativeResize="0"/>
           <p:nvPr/>
         </p:nvPicPr>
@@ -8126,7 +8154,7 @@
       </p:pic>
       <p:sp>
         <p:nvSpPr>
-          <p:cNvPr id="109" name="Shape 109"/>
+          <p:cNvPr id="110" name="Shape 110"/>
           <p:cNvSpPr txBox="1"/>
           <p:nvPr/>
         </p:nvSpPr>
@@ -8168,7 +8196,7 @@
       </p:sp>
       <p:sp>
         <p:nvSpPr>
-          <p:cNvPr id="110" name="Shape 110"/>
+          <p:cNvPr id="111" name="Shape 111"/>
           <p:cNvSpPr txBox="1"/>
           <p:nvPr/>
         </p:nvSpPr>
@@ -8218,7 +8246,7 @@
       </p:sp>
       <p:pic>
         <p:nvPicPr>
-          <p:cNvPr id="111" name="Shape 111"/>
+          <p:cNvPr id="112" name="Shape 112"/>
           <p:cNvPicPr preferRelativeResize="0"/>
           <p:nvPr/>
         </p:nvPicPr>
@@ -8246,7 +8274,7 @@
       </p:pic>
       <p:pic>
         <p:nvPicPr>
-          <p:cNvPr id="112" name="Shape 112"/>
+          <p:cNvPr id="113" name="Shape 113"/>
           <p:cNvPicPr preferRelativeResize="0"/>
           <p:nvPr/>
         </p:nvPicPr>
@@ -8274,7 +8302,7 @@
       </p:pic>
       <p:sp>
         <p:nvSpPr>
-          <p:cNvPr id="113" name="Shape 113"/>
+          <p:cNvPr id="114" name="Shape 114"/>
           <p:cNvSpPr txBox="1"/>
           <p:nvPr/>
         </p:nvSpPr>
@@ -8362,7 +8390,7 @@
   <p:cSld>
     <p:spTree>
       <p:nvGrpSpPr>
-        <p:cNvPr id="117" name="Shape 117"/>
+        <p:cNvPr id="118" name="Shape 118"/>
         <p:cNvGrpSpPr/>
         <p:nvPr/>
       </p:nvGrpSpPr>
@@ -8376,7 +8404,7 @@
       </p:grpSpPr>
       <p:sp>
         <p:nvSpPr>
-          <p:cNvPr id="118" name="Shape 118"/>
+          <p:cNvPr id="119" name="Shape 119"/>
           <p:cNvSpPr txBox="1"/>
           <p:nvPr>
             <p:ph type="title"/>
@@ -8416,7 +8444,7 @@
       </p:sp>
       <p:sp>
         <p:nvSpPr>
-          <p:cNvPr id="119" name="Shape 119"/>
+          <p:cNvPr id="120" name="Shape 120"/>
           <p:cNvSpPr txBox="1"/>
           <p:nvPr>
             <p:ph idx="1" type="body"/>

--- a/GEViz.pptx
+++ b/GEViz.pptx
@@ -7941,6 +7941,34 @@
                   <a:schemeClr val="dk1"/>
                 </a:solidFill>
               </a:rPr>
+              <a:t>Compare Bill’s gene expression data to other patients in the TCGA database</a:t>
+            </a:r>
+            <a:endParaRPr>
+              <a:solidFill>
+                <a:schemeClr val="dk1"/>
+              </a:solidFill>
+            </a:endParaRPr>
+          </a:p>
+          <a:p>
+            <a:pPr indent="-342900" lvl="0" marL="457200" rtl="0">
+              <a:spcBef>
+                <a:spcPts val="0"/>
+              </a:spcBef>
+              <a:spcAft>
+                <a:spcPts val="0"/>
+              </a:spcAft>
+              <a:buClr>
+                <a:schemeClr val="dk1"/>
+              </a:buClr>
+              <a:buSzPts val="1800"/>
+              <a:buChar char="-"/>
+            </a:pPr>
+            <a:r>
+              <a:rPr lang="en">
+                <a:solidFill>
+                  <a:schemeClr val="dk1"/>
+                </a:solidFill>
+              </a:rPr>
               <a:t>Calculate correlation for every possible pair of genes</a:t>
             </a:r>
             <a:endParaRPr>
@@ -8160,8 +8188,8 @@
         </p:nvSpPr>
         <p:spPr>
           <a:xfrm>
-            <a:off x="4977825" y="4575575"/>
-            <a:ext cx="3854400" cy="354000"/>
+            <a:off x="4572000" y="4575575"/>
+            <a:ext cx="4260300" cy="484200"/>
           </a:xfrm>
           <a:prstGeom prst="rect">
             <a:avLst/>
@@ -8308,8 +8336,8 @@
         </p:nvSpPr>
         <p:spPr>
           <a:xfrm>
-            <a:off x="292699" y="1017725"/>
-            <a:ext cx="7859100" cy="838200"/>
+            <a:off x="292700" y="1017725"/>
+            <a:ext cx="8520600" cy="838200"/>
           </a:xfrm>
           <a:prstGeom prst="rect">
             <a:avLst/>
@@ -8354,7 +8382,7 @@
             </a:pPr>
             <a:r>
               <a:rPr lang="en"/>
-              <a:t>Passenger mutation that came from the same driver mutations should have correlation</a:t>
+              <a:t>Passenger mutation that came from the same driver mutations should have correlation in gene expression</a:t>
             </a:r>
             <a:endParaRPr/>
           </a:p>
